--- a/report/midterm - v2.pptx
+++ b/report/midterm - v2.pptx
@@ -243,7 +243,7 @@
           <a:p>
             <a:fld id="{A7B3912A-A208-42D9-A720-8DE28239B8A7}" type="datetimeFigureOut">
               <a:rPr lang="en-US" smtClean="0"/>
-              <a:t>26/8/2014</a:t>
+              <a:t>27/8/2014</a:t>
             </a:fld>
             <a:endParaRPr lang="en-US"/>
           </a:p>
@@ -867,7 +867,7 @@
           <a:p>
             <a:fld id="{7FC51BC0-5CD8-4890-A623-D66634BB65F3}" type="datetime1">
               <a:rPr lang="en-US" smtClean="0"/>
-              <a:t>26/8/2014</a:t>
+              <a:t>27/8/2014</a:t>
             </a:fld>
             <a:endParaRPr lang="en-US"/>
           </a:p>
@@ -1205,7 +1205,7 @@
           <a:p>
             <a:fld id="{AE02F185-A3BE-472A-9684-02EC53B78E9C}" type="datetime1">
               <a:rPr lang="en-US" smtClean="0"/>
-              <a:t>26/8/2014</a:t>
+              <a:t>27/8/2014</a:t>
             </a:fld>
             <a:endParaRPr lang="en-US"/>
           </a:p>
@@ -1606,7 +1606,7 @@
           <a:p>
             <a:fld id="{5621C072-7611-44F1-8610-08EC694A07F0}" type="datetime1">
               <a:rPr lang="en-US" smtClean="0"/>
-              <a:t>26/8/2014</a:t>
+              <a:t>27/8/2014</a:t>
             </a:fld>
             <a:endParaRPr lang="en-US"/>
           </a:p>
@@ -1942,7 +1942,7 @@
           <a:p>
             <a:fld id="{6D7964BB-9B41-4DDB-8F12-C699973B51D9}" type="datetime1">
               <a:rPr lang="en-US" smtClean="0"/>
-              <a:t>26/8/2014</a:t>
+              <a:t>27/8/2014</a:t>
             </a:fld>
             <a:endParaRPr lang="en-US"/>
           </a:p>
@@ -2262,7 +2262,7 @@
           <a:p>
             <a:fld id="{32713E24-E9F9-4D7D-AA60-094D056CDCCC}" type="datetime1">
               <a:rPr lang="en-US" smtClean="0"/>
-              <a:t>26/8/2014</a:t>
+              <a:t>27/8/2014</a:t>
             </a:fld>
             <a:endParaRPr lang="en-US"/>
           </a:p>
@@ -2658,7 +2658,7 @@
           <a:p>
             <a:fld id="{E3DDF059-9ED2-4DE0-9CE9-79B3768F8997}" type="datetime1">
               <a:rPr lang="en-US" smtClean="0"/>
-              <a:t>26/8/2014</a:t>
+              <a:t>27/8/2014</a:t>
             </a:fld>
             <a:endParaRPr lang="en-US"/>
           </a:p>
@@ -2915,7 +2915,7 @@
           <a:p>
             <a:fld id="{97ABA458-ED39-4ADA-96F0-D6B8F204BA60}" type="datetime1">
               <a:rPr lang="en-US" smtClean="0"/>
-              <a:t>26/8/2014</a:t>
+              <a:t>27/8/2014</a:t>
             </a:fld>
             <a:endParaRPr lang="en-US"/>
           </a:p>
@@ -3177,7 +3177,7 @@
           <a:p>
             <a:fld id="{08444B18-DB90-41A6-9235-464ECA7F10A4}" type="datetime1">
               <a:rPr lang="en-US" smtClean="0"/>
-              <a:t>26/8/2014</a:t>
+              <a:t>27/8/2014</a:t>
             </a:fld>
             <a:endParaRPr lang="en-US"/>
           </a:p>
@@ -3439,7 +3439,7 @@
           <a:p>
             <a:fld id="{D375DF81-F5DA-44FE-9562-697A179B7B0A}" type="datetime1">
               <a:rPr lang="en-US" smtClean="0"/>
-              <a:t>26/8/2014</a:t>
+              <a:t>27/8/2014</a:t>
             </a:fld>
             <a:endParaRPr lang="en-US"/>
           </a:p>
@@ -3768,7 +3768,7 @@
           <a:p>
             <a:fld id="{574A4FCE-4BC4-48F1-BAFC-21B3F6D1AE28}" type="datetime1">
               <a:rPr lang="en-US" smtClean="0"/>
-              <a:t>26/8/2014</a:t>
+              <a:t>27/8/2014</a:t>
             </a:fld>
             <a:endParaRPr lang="en-US"/>
           </a:p>
@@ -4091,7 +4091,7 @@
           <a:p>
             <a:fld id="{E9A4F337-B4F3-41ED-A235-1EB8E27F4ADC}" type="datetime1">
               <a:rPr lang="en-US" smtClean="0"/>
-              <a:t>26/8/2014</a:t>
+              <a:t>27/8/2014</a:t>
             </a:fld>
             <a:endParaRPr lang="en-US"/>
           </a:p>
@@ -4548,7 +4548,7 @@
           <a:p>
             <a:fld id="{042D7D94-FFAA-495D-AC0F-ABD4E676F73C}" type="datetime1">
               <a:rPr lang="en-US" smtClean="0"/>
-              <a:t>26/8/2014</a:t>
+              <a:t>27/8/2014</a:t>
             </a:fld>
             <a:endParaRPr lang="en-US"/>
           </a:p>
@@ -4753,7 +4753,7 @@
           <a:p>
             <a:fld id="{446193CF-BB28-48CF-8B44-80D6F3490EEE}" type="datetime1">
               <a:rPr lang="en-US" smtClean="0"/>
-              <a:t>26/8/2014</a:t>
+              <a:t>27/8/2014</a:t>
             </a:fld>
             <a:endParaRPr lang="en-US"/>
           </a:p>
@@ -4930,7 +4930,7 @@
           <a:p>
             <a:fld id="{5F7300D2-0E83-4CFE-91DB-6D88FAA3DB5C}" type="datetime1">
               <a:rPr lang="en-US" smtClean="0"/>
-              <a:t>26/8/2014</a:t>
+              <a:t>27/8/2014</a:t>
             </a:fld>
             <a:endParaRPr lang="en-US"/>
           </a:p>
@@ -5263,7 +5263,7 @@
           <a:p>
             <a:fld id="{8CC331A5-A2E0-4093-B454-C6FF04ED1192}" type="datetime1">
               <a:rPr lang="en-US" smtClean="0"/>
-              <a:t>26/8/2014</a:t>
+              <a:t>27/8/2014</a:t>
             </a:fld>
             <a:endParaRPr lang="en-US"/>
           </a:p>
@@ -5608,7 +5608,7 @@
           <a:p>
             <a:fld id="{65369091-B738-4B29-8138-F2365DA6C833}" type="datetime1">
               <a:rPr lang="en-US" smtClean="0"/>
-              <a:t>26/8/2014</a:t>
+              <a:t>27/8/2014</a:t>
             </a:fld>
             <a:endParaRPr lang="en-US"/>
           </a:p>
@@ -7725,7 +7725,7 @@
           <a:p>
             <a:fld id="{0F7C4A8F-7631-40DF-9D95-F8A285B7E60E}" type="datetime1">
               <a:rPr lang="en-US" smtClean="0"/>
-              <a:t>26/8/2014</a:t>
+              <a:t>27/8/2014</a:t>
             </a:fld>
             <a:endParaRPr lang="en-US"/>
           </a:p>
@@ -8523,8 +8523,8 @@
           </a:p>
         </p:txBody>
       </p:sp>
-      <mc:AlternateContent xmlns:mc="http://schemas.openxmlformats.org/markup-compatibility/2006">
-        <mc:Choice xmlns:a14="http://schemas.microsoft.com/office/drawing/2010/main" Requires="a14">
+      <mc:AlternateContent xmlns:mc="http://schemas.openxmlformats.org/markup-compatibility/2006" xmlns:a14="http://schemas.microsoft.com/office/drawing/2010/main">
+        <mc:Choice Requires="a14">
           <p:sp>
             <p:nvSpPr>
               <p:cNvPr id="3" name="Content Placeholder 2"/>
@@ -8583,11 +8583,7 @@
                 </a14:m>
                 <a:r>
                   <a:rPr lang="en-US" sz="2400" dirty="0" smtClean="0"/>
-                  <a:t> </a:t>
-                </a:r>
-                <a:r>
-                  <a:rPr lang="en-US" sz="2400" dirty="0" smtClean="0"/>
-                  <a:t>variables, 2 values for 1 variable </a:t>
+                  <a:t> variables, 2 values for 1 variable </a:t>
                 </a:r>
                 <a:r>
                   <a:rPr lang="en-US" sz="2400" dirty="0" smtClean="0">
@@ -8750,12 +8746,11 @@
                   <a:rPr lang="en-US" sz="2400" dirty="0" smtClean="0"/>
                   <a:t>4 boxes:   </a:t>
                 </a:r>
-                <a:endParaRPr lang="en-US" sz="2400" dirty="0" smtClean="0"/>
               </a:p>
             </p:txBody>
           </p:sp>
         </mc:Choice>
-        <mc:Fallback>
+        <mc:Fallback xmlns="">
           <p:sp>
             <p:nvSpPr>
               <p:cNvPr id="3" name="Content Placeholder 2"/>
@@ -9357,18 +9352,14 @@
             </a:r>
             <a:r>
               <a:rPr lang="en-US" sz="4400" dirty="0" smtClean="0"/>
-              <a:t>. </a:t>
-            </a:r>
-            <a:r>
-              <a:rPr lang="en-US" sz="4400" dirty="0" smtClean="0"/>
-              <a:t>Exploration of test cases</a:t>
+              <a:t>. Exploration of test cases</a:t>
             </a:r>
             <a:endParaRPr lang="en-US" sz="4400" dirty="0"/>
           </a:p>
         </p:txBody>
       </p:sp>
-      <mc:AlternateContent xmlns:mc="http://schemas.openxmlformats.org/markup-compatibility/2006">
-        <mc:Choice xmlns:a14="http://schemas.microsoft.com/office/drawing/2010/main" Requires="a14">
+      <mc:AlternateContent xmlns:mc="http://schemas.openxmlformats.org/markup-compatibility/2006" xmlns:a14="http://schemas.microsoft.com/office/drawing/2010/main">
+        <mc:Choice Requires="a14">
           <p:sp>
             <p:nvSpPr>
               <p:cNvPr id="3" name="Content Placeholder 2"/>
@@ -9879,7 +9870,7 @@
             </p:txBody>
           </p:sp>
         </mc:Choice>
-        <mc:Fallback>
+        <mc:Fallback xmlns="">
           <p:sp>
             <p:nvSpPr>
               <p:cNvPr id="3" name="Content Placeholder 2"/>
@@ -12979,6 +12970,67 @@
             <a:pPr marL="0" indent="0">
               <a:buNone/>
             </a:pPr>
+            <a:endParaRPr lang="en-US" sz="2400" dirty="0" smtClean="0"/>
+          </a:p>
+          <a:p>
+            <a:r>
+              <a:rPr lang="en-US" sz="2400" dirty="0" smtClean="0"/>
+              <a:t>If there exist an assignment of x, y </a:t>
+            </a:r>
+            <a:br>
+              <a:rPr lang="en-US" sz="2400" dirty="0" smtClean="0"/>
+            </a:br>
+            <a:r>
+              <a:rPr lang="en-US" sz="2400" dirty="0" smtClean="0"/>
+              <a:t>that satisfies the constraints</a:t>
+            </a:r>
+            <a:r>
+              <a:rPr lang="en-US" sz="2400" dirty="0"/>
+              <a:t> </a:t>
+            </a:r>
+            <a:r>
+              <a:rPr lang="en-US" sz="2400" dirty="0" smtClean="0">
+                <a:sym typeface="Wingdings" panose="05000000000000000000" pitchFamily="2" charset="2"/>
+              </a:rPr>
+              <a:t> </a:t>
+            </a:r>
+            <a:br>
+              <a:rPr lang="en-US" sz="2400" dirty="0" smtClean="0">
+                <a:sym typeface="Wingdings" panose="05000000000000000000" pitchFamily="2" charset="2"/>
+              </a:rPr>
+            </a:br>
+            <a:r>
+              <a:rPr lang="en-US" sz="2400" dirty="0" err="1" smtClean="0">
+                <a:sym typeface="Wingdings" panose="05000000000000000000" pitchFamily="2" charset="2"/>
+              </a:rPr>
+              <a:t>satisfiable</a:t>
+            </a:r>
+            <a:r>
+              <a:rPr lang="en-US" sz="2400" dirty="0" smtClean="0">
+                <a:sym typeface="Wingdings" panose="05000000000000000000" pitchFamily="2" charset="2"/>
+              </a:rPr>
+              <a:t> (SAT).</a:t>
+            </a:r>
+          </a:p>
+          <a:p>
+            <a:r>
+              <a:rPr lang="en-US" sz="2400" dirty="0" smtClean="0">
+                <a:sym typeface="Wingdings" panose="05000000000000000000" pitchFamily="2" charset="2"/>
+              </a:rPr>
+              <a:t>Otherwise, </a:t>
+            </a:r>
+            <a:r>
+              <a:rPr lang="en-US" sz="2400" dirty="0" err="1" smtClean="0">
+                <a:sym typeface="Wingdings" panose="05000000000000000000" pitchFamily="2" charset="2"/>
+              </a:rPr>
+              <a:t>unsatisfiable</a:t>
+            </a:r>
+            <a:r>
+              <a:rPr lang="en-US" sz="2400" dirty="0" smtClean="0">
+                <a:sym typeface="Wingdings" panose="05000000000000000000" pitchFamily="2" charset="2"/>
+              </a:rPr>
+              <a:t> (UNSAT)</a:t>
+            </a:r>
             <a:endParaRPr lang="en-US" sz="2400" dirty="0"/>
           </a:p>
         </p:txBody>
@@ -13005,7 +13057,7 @@
         </p:blipFill>
         <p:spPr>
           <a:xfrm>
-            <a:off x="3551889" y="1934524"/>
+            <a:off x="6591895" y="1948420"/>
             <a:ext cx="4761905" cy="4761905"/>
           </a:xfrm>
           <a:prstGeom prst="rect">
@@ -13021,7 +13073,7 @@
         </p:nvSpPr>
         <p:spPr>
           <a:xfrm>
-            <a:off x="5464885" y="3840479"/>
+            <a:off x="8504889" y="3848202"/>
             <a:ext cx="935915" cy="962339"/>
           </a:xfrm>
           <a:prstGeom prst="ellipse">
@@ -15651,17 +15703,8 @@
           <a:p>
             <a:r>
               <a:rPr lang="en-US" sz="2400" dirty="0" smtClean="0"/>
-              <a:t>Invariant </a:t>
-            </a:r>
-            <a:r>
-              <a:rPr lang="en-US" sz="2400" dirty="0" smtClean="0"/>
-              <a:t>generation</a:t>
-            </a:r>
-            <a:r>
-              <a:rPr lang="en-US" sz="2400" dirty="0" smtClean="0"/>
-              <a:t>.</a:t>
-            </a:r>
-            <a:endParaRPr lang="en-US" sz="2400" dirty="0" smtClean="0"/>
+              <a:t>Invariant generation.</a:t>
+            </a:r>
           </a:p>
         </p:txBody>
       </p:sp>
@@ -20946,8 +20989,8 @@
           </a:p>
         </p:txBody>
       </p:sp>
-      <mc:AlternateContent xmlns:mc="http://schemas.openxmlformats.org/markup-compatibility/2006">
-        <mc:Choice xmlns:a14="http://schemas.microsoft.com/office/drawing/2010/main" Requires="a14">
+      <mc:AlternateContent xmlns:mc="http://schemas.openxmlformats.org/markup-compatibility/2006" xmlns:a14="http://schemas.microsoft.com/office/drawing/2010/main">
+        <mc:Choice Requires="a14">
           <p:sp>
             <p:nvSpPr>
               <p:cNvPr id="3" name="Content Placeholder 2"/>
@@ -21294,7 +21337,7 @@
             </p:txBody>
           </p:sp>
         </mc:Choice>
-        <mc:Fallback>
+        <mc:Fallback xmlns="">
           <p:sp>
             <p:nvSpPr>
               <p:cNvPr id="3" name="Content Placeholder 2"/>
@@ -22660,7 +22703,6 @@
               <a:rPr lang="en-US" dirty="0"/>
               <a:t>Under approximation - Testing</a:t>
             </a:r>
-            <a:endParaRPr lang="en-US" dirty="0"/>
           </a:p>
         </p:txBody>
       </p:sp>
